--- a/Year I/Semester II/Programare Orientata Pe Obiecte/Materiale/2022 - 2023/Cursuri/Curs 06.pptx
+++ b/Year I/Semester II/Programare Orientata Pe Obiecte/Materiale/2022 - 2023/Cursuri/Curs 06.pptx
@@ -54585,8 +54585,8 @@
 </file>
 
 <file path=customXml/item1.xml><?xml version="1.0" encoding="utf-8"?>
-<ct:contentTypeSchema xmlns:ct="http://schemas.microsoft.com/office/2006/metadata/contentType" xmlns:ma="http://schemas.microsoft.com/office/2006/metadata/properties/metaAttributes" ct:_="" ma:_="" ma:contentTypeName="Document" ma:contentTypeID="0x01010065BDA878BB4C6E4BB265875F962DE36F" ma:contentTypeVersion="2" ma:contentTypeDescription="Creați un document nou." ma:contentTypeScope="" ma:versionID="e2b866f04666d010dc0df8315a90818e">
-  <xsd:schema xmlns:xsd="http://www.w3.org/2001/XMLSchema" xmlns:xs="http://www.w3.org/2001/XMLSchema" xmlns:p="http://schemas.microsoft.com/office/2006/metadata/properties" xmlns:ns2="ee661988-d13b-4721-b9f8-528de62abdd0" targetNamespace="http://schemas.microsoft.com/office/2006/metadata/properties" ma:root="true" ma:fieldsID="1f2acd2206b38d91c751882a7d700b08" ns2:_="">
+<ct:contentTypeSchema xmlns:ct="http://schemas.microsoft.com/office/2006/metadata/contentType" xmlns:ma="http://schemas.microsoft.com/office/2006/metadata/properties/metaAttributes" ct:_="" ma:_="" ma:contentTypeName="Document" ma:contentTypeID="0x01010065BDA878BB4C6E4BB265875F962DE36F" ma:contentTypeVersion="2" ma:contentTypeDescription="Create a new document." ma:contentTypeScope="" ma:versionID="6cc1197ae79b148c040d7f763cb5785f">
+  <xsd:schema xmlns:xsd="http://www.w3.org/2001/XMLSchema" xmlns:xs="http://www.w3.org/2001/XMLSchema" xmlns:p="http://schemas.microsoft.com/office/2006/metadata/properties" xmlns:ns2="ee661988-d13b-4721-b9f8-528de62abdd0" targetNamespace="http://schemas.microsoft.com/office/2006/metadata/properties" ma:root="true" ma:fieldsID="b713771ebe3f1c70c9bec39c2fbbc519" ns2:_="">
     <xsd:import namespace="ee661988-d13b-4721-b9f8-528de62abdd0"/>
     <xsd:element name="properties">
       <xsd:complexType>
@@ -54626,8 +54626,8 @@
         <xsd:element ref="dc:creator" minOccurs="0" maxOccurs="1"/>
         <xsd:element ref="dcterms:created" minOccurs="0" maxOccurs="1"/>
         <xsd:element ref="dc:identifier" minOccurs="0" maxOccurs="1"/>
-        <xsd:element name="contentType" minOccurs="0" maxOccurs="1" type="xsd:string" ma:index="0" ma:displayName="Tip de conținut"/>
-        <xsd:element ref="dc:title" minOccurs="0" maxOccurs="1" ma:index="4" ma:displayName="Titlu"/>
+        <xsd:element name="contentType" minOccurs="0" maxOccurs="1" type="xsd:string" ma:index="0" ma:displayName="Content Type"/>
+        <xsd:element ref="dc:title" minOccurs="0" maxOccurs="1" ma:index="4" ma:displayName="Title"/>
         <xsd:element ref="dc:subject" minOccurs="0" maxOccurs="1"/>
         <xsd:element ref="dc:description" minOccurs="0" maxOccurs="1"/>
         <xsd:element name="keywords" minOccurs="0" maxOccurs="1" type="xsd:string"/>
@@ -54732,21 +54732,7 @@
 </file>
 
 <file path=customXml/itemProps1.xml><?xml version="1.0" encoding="utf-8"?>
-<ds:datastoreItem xmlns:ds="http://schemas.openxmlformats.org/officeDocument/2006/customXml" ds:itemID="{05846377-4693-4275-A142-435FF1C42F7B}">
-  <ds:schemaRefs>
-    <ds:schemaRef ds:uri="http://schemas.microsoft.com/office/2006/metadata/contentType"/>
-    <ds:schemaRef ds:uri="http://schemas.microsoft.com/office/2006/metadata/properties/metaAttributes"/>
-    <ds:schemaRef ds:uri="http://www.w3.org/2001/XMLSchema"/>
-    <ds:schemaRef ds:uri="http://schemas.microsoft.com/office/2006/metadata/properties"/>
-    <ds:schemaRef ds:uri="ee661988-d13b-4721-b9f8-528de62abdd0"/>
-    <ds:schemaRef ds:uri="http://schemas.microsoft.com/office/2006/documentManagement/types"/>
-    <ds:schemaRef ds:uri="http://schemas.microsoft.com/office/infopath/2007/PartnerControls"/>
-    <ds:schemaRef ds:uri="http://schemas.openxmlformats.org/package/2006/metadata/core-properties"/>
-    <ds:schemaRef ds:uri="http://purl.org/dc/elements/1.1/"/>
-    <ds:schemaRef ds:uri="http://purl.org/dc/terms/"/>
-    <ds:schemaRef ds:uri="http://schemas.microsoft.com/internal/obd"/>
-  </ds:schemaRefs>
-</ds:datastoreItem>
+<ds:datastoreItem xmlns:ds="http://schemas.openxmlformats.org/officeDocument/2006/customXml" ds:itemID="{56A6A154-CD17-497A-B75B-29995416AB7C}"/>
 </file>
 
 <file path=customXml/itemProps2.xml><?xml version="1.0" encoding="utf-8"?>
